--- a/מצגת.pptx
+++ b/מצגת.pptx
@@ -16,7 +16,7 @@
     <p:sldId id="394" r:id="rId10"/>
     <p:sldId id="393" r:id="rId11"/>
     <p:sldId id="395" r:id="rId12"/>
-    <p:sldId id="396" r:id="rId13"/>
+    <p:sldId id="398" r:id="rId13"/>
     <p:sldId id="397" r:id="rId14"/>
     <p:sldId id="391" r:id="rId15"/>
     <p:sldId id="264" r:id="rId16"/>
@@ -268,7 +268,7 @@
           <a:p>
             <a:fld id="{292A1DA2-9D83-4314-B451-6B6D42F03C0C}" type="datetimeFigureOut">
               <a:rPr lang="he-IL" smtClean="0"/>
-              <a:t>י"ד/אב/תשפ"א</a:t>
+              <a:t>ט"ז/אב/תשפ"א</a:t>
             </a:fld>
             <a:endParaRPr lang="he-IL"/>
           </a:p>
@@ -2326,7 +2326,7 @@
     </p:spTree>
     <p:extLst>
       <p:ext uri="{BB962C8B-B14F-4D97-AF65-F5344CB8AC3E}">
-        <p14:creationId xmlns:p14="http://schemas.microsoft.com/office/powerpoint/2010/main" val="1871098858"/>
+        <p14:creationId xmlns:p14="http://schemas.microsoft.com/office/powerpoint/2010/main" val="1659887407"/>
       </p:ext>
     </p:extLst>
   </p:cSld>
@@ -2532,7 +2532,7 @@
           <a:p>
             <a:fld id="{74ACFE26-9C52-44D9-A504-E8B1804B2906}" type="datetimeFigureOut">
               <a:rPr lang="he-IL" smtClean="0"/>
-              <a:t>י"ד/אב/תשפ"א</a:t>
+              <a:t>ט"ז/אב/תשפ"א</a:t>
             </a:fld>
             <a:endParaRPr lang="he-IL"/>
           </a:p>
@@ -2825,7 +2825,7 @@
           <a:p>
             <a:fld id="{74ACFE26-9C52-44D9-A504-E8B1804B2906}" type="datetimeFigureOut">
               <a:rPr lang="he-IL" smtClean="0"/>
-              <a:t>י"ד/אב/תשפ"א</a:t>
+              <a:t>ט"ז/אב/תשפ"א</a:t>
             </a:fld>
             <a:endParaRPr lang="he-IL"/>
           </a:p>
@@ -3029,7 +3029,7 @@
           <a:p>
             <a:fld id="{74ACFE26-9C52-44D9-A504-E8B1804B2906}" type="datetimeFigureOut">
               <a:rPr lang="he-IL" smtClean="0"/>
-              <a:t>י"ד/אב/תשפ"א</a:t>
+              <a:t>ט"ז/אב/תשפ"א</a:t>
             </a:fld>
             <a:endParaRPr lang="he-IL"/>
           </a:p>
@@ -3302,7 +3302,7 @@
           <a:p>
             <a:fld id="{74ACFE26-9C52-44D9-A504-E8B1804B2906}" type="datetimeFigureOut">
               <a:rPr lang="he-IL" smtClean="0"/>
-              <a:t>י"ד/אב/תשפ"א</a:t>
+              <a:t>ט"ז/אב/תשפ"א</a:t>
             </a:fld>
             <a:endParaRPr lang="he-IL"/>
           </a:p>
@@ -3740,7 +3740,7 @@
           <a:p>
             <a:fld id="{74ACFE26-9C52-44D9-A504-E8B1804B2906}" type="datetimeFigureOut">
               <a:rPr lang="he-IL" smtClean="0"/>
-              <a:t>י"ד/אב/תשפ"א</a:t>
+              <a:t>ט"ז/אב/תשפ"א</a:t>
             </a:fld>
             <a:endParaRPr lang="he-IL"/>
           </a:p>
@@ -4298,7 +4298,7 @@
           <a:p>
             <a:fld id="{74ACFE26-9C52-44D9-A504-E8B1804B2906}" type="datetimeFigureOut">
               <a:rPr lang="he-IL" smtClean="0"/>
-              <a:t>י"ד/אב/תשפ"א</a:t>
+              <a:t>ט"ז/אב/תשפ"א</a:t>
             </a:fld>
             <a:endParaRPr lang="he-IL"/>
           </a:p>
@@ -5141,7 +5141,7 @@
           <a:p>
             <a:fld id="{74ACFE26-9C52-44D9-A504-E8B1804B2906}" type="datetimeFigureOut">
               <a:rPr lang="he-IL" smtClean="0"/>
-              <a:t>י"ד/אב/תשפ"א</a:t>
+              <a:t>ט"ז/אב/תשפ"א</a:t>
             </a:fld>
             <a:endParaRPr lang="he-IL"/>
           </a:p>
@@ -5323,7 +5323,7 @@
           <a:p>
             <a:fld id="{74ACFE26-9C52-44D9-A504-E8B1804B2906}" type="datetimeFigureOut">
               <a:rPr lang="he-IL" smtClean="0"/>
-              <a:t>י"ד/אב/תשפ"א</a:t>
+              <a:t>ט"ז/אב/תשפ"א</a:t>
             </a:fld>
             <a:endParaRPr lang="he-IL"/>
           </a:p>
@@ -5515,7 +5515,7 @@
           <a:p>
             <a:fld id="{74ACFE26-9C52-44D9-A504-E8B1804B2906}" type="datetimeFigureOut">
               <a:rPr lang="he-IL" smtClean="0"/>
-              <a:t>י"ד/אב/תשפ"א</a:t>
+              <a:t>ט"ז/אב/תשפ"א</a:t>
             </a:fld>
             <a:endParaRPr lang="he-IL"/>
           </a:p>
@@ -5697,7 +5697,7 @@
           <a:p>
             <a:fld id="{74ACFE26-9C52-44D9-A504-E8B1804B2906}" type="datetimeFigureOut">
               <a:rPr lang="he-IL" smtClean="0"/>
-              <a:t>י"ד/אב/תשפ"א</a:t>
+              <a:t>ט"ז/אב/תשפ"א</a:t>
             </a:fld>
             <a:endParaRPr lang="he-IL"/>
           </a:p>
@@ -5966,7 +5966,7 @@
           <a:p>
             <a:fld id="{74ACFE26-9C52-44D9-A504-E8B1804B2906}" type="datetimeFigureOut">
               <a:rPr lang="he-IL" smtClean="0"/>
-              <a:t>י"ד/אב/תשפ"א</a:t>
+              <a:t>ט"ז/אב/תשפ"א</a:t>
             </a:fld>
             <a:endParaRPr lang="he-IL"/>
           </a:p>
@@ -6210,7 +6210,7 @@
           <a:p>
             <a:fld id="{74ACFE26-9C52-44D9-A504-E8B1804B2906}" type="datetimeFigureOut">
               <a:rPr lang="he-IL" smtClean="0"/>
-              <a:t>י"ד/אב/תשפ"א</a:t>
+              <a:t>ט"ז/אב/תשפ"א</a:t>
             </a:fld>
             <a:endParaRPr lang="he-IL"/>
           </a:p>
@@ -6615,7 +6615,7 @@
           <a:p>
             <a:fld id="{74ACFE26-9C52-44D9-A504-E8B1804B2906}" type="datetimeFigureOut">
               <a:rPr lang="he-IL" smtClean="0"/>
-              <a:t>י"ד/אב/תשפ"א</a:t>
+              <a:t>ט"ז/אב/תשפ"א</a:t>
             </a:fld>
             <a:endParaRPr lang="he-IL"/>
           </a:p>
@@ -6745,7 +6745,7 @@
           <a:p>
             <a:fld id="{74ACFE26-9C52-44D9-A504-E8B1804B2906}" type="datetimeFigureOut">
               <a:rPr lang="he-IL" smtClean="0"/>
-              <a:t>י"ד/אב/תשפ"א</a:t>
+              <a:t>ט"ז/אב/תשפ"א</a:t>
             </a:fld>
             <a:endParaRPr lang="he-IL"/>
           </a:p>
@@ -6852,7 +6852,7 @@
           <a:p>
             <a:fld id="{74ACFE26-9C52-44D9-A504-E8B1804B2906}" type="datetimeFigureOut">
               <a:rPr lang="he-IL" smtClean="0"/>
-              <a:t>י"ד/אב/תשפ"א</a:t>
+              <a:t>ט"ז/אב/תשפ"א</a:t>
             </a:fld>
             <a:endParaRPr lang="he-IL"/>
           </a:p>
@@ -7137,7 +7137,7 @@
           <a:p>
             <a:fld id="{74ACFE26-9C52-44D9-A504-E8B1804B2906}" type="datetimeFigureOut">
               <a:rPr lang="he-IL" smtClean="0"/>
-              <a:t>י"ד/אב/תשפ"א</a:t>
+              <a:t>ט"ז/אב/תשפ"א</a:t>
             </a:fld>
             <a:endParaRPr lang="he-IL"/>
           </a:p>
@@ -7430,7 +7430,7 @@
           <a:p>
             <a:fld id="{74ACFE26-9C52-44D9-A504-E8B1804B2906}" type="datetimeFigureOut">
               <a:rPr lang="he-IL" smtClean="0"/>
-              <a:t>י"ד/אב/תשפ"א</a:t>
+              <a:t>ט"ז/אב/תשפ"א</a:t>
             </a:fld>
             <a:endParaRPr lang="he-IL"/>
           </a:p>
@@ -7682,7 +7682,7 @@
           <a:p>
             <a:fld id="{74ACFE26-9C52-44D9-A504-E8B1804B2906}" type="datetimeFigureOut">
               <a:rPr lang="he-IL" smtClean="0"/>
-              <a:t>י"ד/אב/תשפ"א</a:t>
+              <a:t>ט"ז/אב/תשפ"א</a:t>
             </a:fld>
             <a:endParaRPr lang="he-IL"/>
           </a:p>
@@ -9308,8 +9308,8 @@
             </a:fontRef>
           </p:style>
         </p:cxnSp>
-        <mc:AlternateContent xmlns:mc="http://schemas.openxmlformats.org/markup-compatibility/2006">
-          <mc:Choice xmlns:a14="http://schemas.microsoft.com/office/drawing/2010/main" Requires="a14">
+        <mc:AlternateContent xmlns:mc="http://schemas.openxmlformats.org/markup-compatibility/2006" xmlns:a14="http://schemas.microsoft.com/office/drawing/2010/main">
+          <mc:Choice Requires="a14">
             <p:sp>
               <p:nvSpPr>
                 <p:cNvPr id="50" name="תיבת טקסט 49">
@@ -9338,6 +9338,7 @@
                 </a:bodyPr>
                 <a:lstStyle/>
                 <a:p>
+                  <a:pPr/>
                   <a14:m>
                     <m:oMathPara xmlns:m="http://schemas.openxmlformats.org/officeDocument/2006/math">
                       <m:oMathParaPr>
@@ -9394,7 +9395,7 @@
               </p:txBody>
             </p:sp>
           </mc:Choice>
-          <mc:Fallback>
+          <mc:Fallback xmlns="">
             <p:sp>
               <p:nvSpPr>
                 <p:cNvPr id="50" name="תיבת טקסט 49">
@@ -9651,8 +9652,8 @@
             </a:fontRef>
           </p:style>
         </p:cxnSp>
-        <mc:AlternateContent xmlns:mc="http://schemas.openxmlformats.org/markup-compatibility/2006">
-          <mc:Choice xmlns:a14="http://schemas.microsoft.com/office/drawing/2010/main" Requires="a14">
+        <mc:AlternateContent xmlns:mc="http://schemas.openxmlformats.org/markup-compatibility/2006" xmlns:a14="http://schemas.microsoft.com/office/drawing/2010/main">
+          <mc:Choice Requires="a14">
             <p:sp>
               <p:nvSpPr>
                 <p:cNvPr id="45" name="תיבת טקסט 44">
@@ -9681,6 +9682,7 @@
                 </a:bodyPr>
                 <a:lstStyle/>
                 <a:p>
+                  <a:pPr/>
                   <a14:m>
                     <m:oMathPara xmlns:m="http://schemas.openxmlformats.org/officeDocument/2006/math">
                       <m:oMathParaPr>
@@ -9737,7 +9739,7 @@
               </p:txBody>
             </p:sp>
           </mc:Choice>
-          <mc:Fallback>
+          <mc:Fallback xmlns="">
             <p:sp>
               <p:nvSpPr>
                 <p:cNvPr id="45" name="תיבת טקסט 44">
@@ -10010,13 +10012,13 @@
   <p:clrMapOvr>
     <a:masterClrMapping/>
   </p:clrMapOvr>
-  <mc:AlternateContent xmlns:mc="http://schemas.openxmlformats.org/markup-compatibility/2006">
-    <mc:Choice xmlns:p159="http://schemas.microsoft.com/office/powerpoint/2015/09/main" Requires="p159">
+  <mc:AlternateContent xmlns:mc="http://schemas.openxmlformats.org/markup-compatibility/2006" xmlns:p159="http://schemas.microsoft.com/office/powerpoint/2015/09/main">
+    <mc:Choice Requires="p159">
       <p:transition xmlns:p14="http://schemas.microsoft.com/office/powerpoint/2010/main" spd="slow" p14:dur="2000">
         <p159:morph option="byObject"/>
       </p:transition>
     </mc:Choice>
-    <mc:Fallback>
+    <mc:Fallback xmlns="">
       <p:transition spd="slow">
         <p:fade/>
       </p:transition>
@@ -15689,8 +15691,8 @@
             </a:fontRef>
           </p:style>
         </p:cxnSp>
-        <mc:AlternateContent xmlns:mc="http://schemas.openxmlformats.org/markup-compatibility/2006">
-          <mc:Choice xmlns:a14="http://schemas.microsoft.com/office/drawing/2010/main" Requires="a14">
+        <mc:AlternateContent xmlns:mc="http://schemas.openxmlformats.org/markup-compatibility/2006" xmlns:a14="http://schemas.microsoft.com/office/drawing/2010/main">
+          <mc:Choice Requires="a14">
             <p:sp>
               <p:nvSpPr>
                 <p:cNvPr id="44" name="תיבת טקסט 43">
@@ -15719,6 +15721,7 @@
                 </a:bodyPr>
                 <a:lstStyle/>
                 <a:p>
+                  <a:pPr/>
                   <a14:m>
                     <m:oMathPara xmlns:m="http://schemas.openxmlformats.org/officeDocument/2006/math">
                       <m:oMathParaPr>
@@ -15787,7 +15790,7 @@
               </p:txBody>
             </p:sp>
           </mc:Choice>
-          <mc:Fallback>
+          <mc:Fallback xmlns="">
             <p:sp>
               <p:nvSpPr>
                 <p:cNvPr id="44" name="תיבת טקסט 43">
@@ -15981,8 +15984,8 @@
             </a:fontRef>
           </p:style>
         </p:cxnSp>
-        <mc:AlternateContent xmlns:mc="http://schemas.openxmlformats.org/markup-compatibility/2006">
-          <mc:Choice xmlns:a14="http://schemas.microsoft.com/office/drawing/2010/main" Requires="a14">
+        <mc:AlternateContent xmlns:mc="http://schemas.openxmlformats.org/markup-compatibility/2006" xmlns:a14="http://schemas.microsoft.com/office/drawing/2010/main">
+          <mc:Choice Requires="a14">
             <p:sp>
               <p:nvSpPr>
                 <p:cNvPr id="48" name="תיבת טקסט 47">
@@ -16011,6 +16014,7 @@
                 </a:bodyPr>
                 <a:lstStyle/>
                 <a:p>
+                  <a:pPr/>
                   <a14:m>
                     <m:oMathPara xmlns:m="http://schemas.openxmlformats.org/officeDocument/2006/math">
                       <m:oMathParaPr>
@@ -16079,7 +16083,7 @@
               </p:txBody>
             </p:sp>
           </mc:Choice>
-          <mc:Fallback>
+          <mc:Fallback xmlns="">
             <p:sp>
               <p:nvSpPr>
                 <p:cNvPr id="48" name="תיבת טקסט 47">
@@ -17651,8 +17655,8 @@
             </a:fontRef>
           </p:style>
         </p:cxnSp>
-        <mc:AlternateContent xmlns:mc="http://schemas.openxmlformats.org/markup-compatibility/2006">
-          <mc:Choice xmlns:a14="http://schemas.microsoft.com/office/drawing/2010/main" Requires="a14">
+        <mc:AlternateContent xmlns:mc="http://schemas.openxmlformats.org/markup-compatibility/2006" xmlns:a14="http://schemas.microsoft.com/office/drawing/2010/main">
+          <mc:Choice Requires="a14">
             <p:sp>
               <p:nvSpPr>
                 <p:cNvPr id="45" name="תיבת טקסט 44">
@@ -17681,6 +17685,7 @@
                 </a:bodyPr>
                 <a:lstStyle/>
                 <a:p>
+                  <a:pPr/>
                   <a14:m>
                     <m:oMathPara xmlns:m="http://schemas.openxmlformats.org/officeDocument/2006/math">
                       <m:oMathParaPr>
@@ -17737,7 +17742,7 @@
               </p:txBody>
             </p:sp>
           </mc:Choice>
-          <mc:Fallback>
+          <mc:Fallback xmlns="">
             <p:sp>
               <p:nvSpPr>
                 <p:cNvPr id="45" name="תיבת טקסט 44">
@@ -17848,8 +17853,8 @@
             </a:fontRef>
           </p:style>
         </p:cxnSp>
-        <mc:AlternateContent xmlns:mc="http://schemas.openxmlformats.org/markup-compatibility/2006">
-          <mc:Choice xmlns:a14="http://schemas.microsoft.com/office/drawing/2010/main" Requires="a14">
+        <mc:AlternateContent xmlns:mc="http://schemas.openxmlformats.org/markup-compatibility/2006" xmlns:a14="http://schemas.microsoft.com/office/drawing/2010/main">
+          <mc:Choice Requires="a14">
             <p:sp>
               <p:nvSpPr>
                 <p:cNvPr id="48" name="תיבת טקסט 47">
@@ -17878,6 +17883,7 @@
                 </a:bodyPr>
                 <a:lstStyle/>
                 <a:p>
+                  <a:pPr/>
                   <a14:m>
                     <m:oMathPara xmlns:m="http://schemas.openxmlformats.org/officeDocument/2006/math">
                       <m:oMathParaPr>
@@ -17934,7 +17940,7 @@
               </p:txBody>
             </p:sp>
           </mc:Choice>
-          <mc:Fallback>
+          <mc:Fallback xmlns="">
             <p:sp>
               <p:nvSpPr>
                 <p:cNvPr id="48" name="תיבת טקסט 47">
@@ -18143,8 +18149,8 @@
             </a:fontRef>
           </p:style>
         </p:cxnSp>
-        <mc:AlternateContent xmlns:mc="http://schemas.openxmlformats.org/markup-compatibility/2006">
-          <mc:Choice xmlns:a14="http://schemas.microsoft.com/office/drawing/2010/main" Requires="a14">
+        <mc:AlternateContent xmlns:mc="http://schemas.openxmlformats.org/markup-compatibility/2006" xmlns:a14="http://schemas.microsoft.com/office/drawing/2010/main">
+          <mc:Choice Requires="a14">
             <p:sp>
               <p:nvSpPr>
                 <p:cNvPr id="62" name="תיבת טקסט 61">
@@ -18173,6 +18179,7 @@
                 </a:bodyPr>
                 <a:lstStyle/>
                 <a:p>
+                  <a:pPr/>
                   <a14:m>
                     <m:oMathPara xmlns:m="http://schemas.openxmlformats.org/officeDocument/2006/math">
                       <m:oMathParaPr>
@@ -18229,7 +18236,7 @@
               </p:txBody>
             </p:sp>
           </mc:Choice>
-          <mc:Fallback>
+          <mc:Fallback xmlns="">
             <p:sp>
               <p:nvSpPr>
                 <p:cNvPr id="62" name="תיבת טקסט 61">
@@ -18340,8 +18347,8 @@
             </a:fontRef>
           </p:style>
         </p:cxnSp>
-        <mc:AlternateContent xmlns:mc="http://schemas.openxmlformats.org/markup-compatibility/2006">
-          <mc:Choice xmlns:a14="http://schemas.microsoft.com/office/drawing/2010/main" Requires="a14">
+        <mc:AlternateContent xmlns:mc="http://schemas.openxmlformats.org/markup-compatibility/2006" xmlns:a14="http://schemas.microsoft.com/office/drawing/2010/main">
+          <mc:Choice Requires="a14">
             <p:sp>
               <p:nvSpPr>
                 <p:cNvPr id="67" name="תיבת טקסט 66">
@@ -18370,6 +18377,7 @@
                 </a:bodyPr>
                 <a:lstStyle/>
                 <a:p>
+                  <a:pPr/>
                   <a14:m>
                     <m:oMathPara xmlns:m="http://schemas.openxmlformats.org/officeDocument/2006/math">
                       <m:oMathParaPr>
@@ -18426,7 +18434,7 @@
               </p:txBody>
             </p:sp>
           </mc:Choice>
-          <mc:Fallback>
+          <mc:Fallback xmlns="">
             <p:sp>
               <p:nvSpPr>
                 <p:cNvPr id="67" name="תיבת טקסט 66">
@@ -20302,8 +20310,8 @@
             </a:fontRef>
           </p:style>
         </p:cxnSp>
-        <mc:AlternateContent xmlns:mc="http://schemas.openxmlformats.org/markup-compatibility/2006">
-          <mc:Choice xmlns:a14="http://schemas.microsoft.com/office/drawing/2010/main" Requires="a14">
+        <mc:AlternateContent xmlns:mc="http://schemas.openxmlformats.org/markup-compatibility/2006" xmlns:a14="http://schemas.microsoft.com/office/drawing/2010/main">
+          <mc:Choice Requires="a14">
             <p:sp>
               <p:nvSpPr>
                 <p:cNvPr id="48" name="תיבת טקסט 47">
@@ -20332,6 +20340,7 @@
                 </a:bodyPr>
                 <a:lstStyle/>
                 <a:p>
+                  <a:pPr/>
                   <a14:m>
                     <m:oMathPara xmlns:m="http://schemas.openxmlformats.org/officeDocument/2006/math">
                       <m:oMathParaPr>
@@ -20412,7 +20421,7 @@
               </p:txBody>
             </p:sp>
           </mc:Choice>
-          <mc:Fallback>
+          <mc:Fallback xmlns="">
             <p:sp>
               <p:nvSpPr>
                 <p:cNvPr id="48" name="תיבת טקסט 47">
@@ -20519,8 +20528,8 @@
             </a:fontRef>
           </p:style>
         </p:cxnSp>
-        <mc:AlternateContent xmlns:mc="http://schemas.openxmlformats.org/markup-compatibility/2006">
-          <mc:Choice xmlns:a14="http://schemas.microsoft.com/office/drawing/2010/main" Requires="a14">
+        <mc:AlternateContent xmlns:mc="http://schemas.openxmlformats.org/markup-compatibility/2006" xmlns:a14="http://schemas.microsoft.com/office/drawing/2010/main">
+          <mc:Choice Requires="a14">
             <p:sp>
               <p:nvSpPr>
                 <p:cNvPr id="62" name="תיבת טקסט 61">
@@ -20549,6 +20558,7 @@
                 </a:bodyPr>
                 <a:lstStyle/>
                 <a:p>
+                  <a:pPr/>
                   <a14:m>
                     <m:oMathPara xmlns:m="http://schemas.openxmlformats.org/officeDocument/2006/math">
                       <m:oMathParaPr>
@@ -20605,7 +20615,7 @@
               </p:txBody>
             </p:sp>
           </mc:Choice>
-          <mc:Fallback>
+          <mc:Fallback xmlns="">
             <p:sp>
               <p:nvSpPr>
                 <p:cNvPr id="62" name="תיבת טקסט 61">
@@ -20716,8 +20726,8 @@
             </a:fontRef>
           </p:style>
         </p:cxnSp>
-        <mc:AlternateContent xmlns:mc="http://schemas.openxmlformats.org/markup-compatibility/2006">
-          <mc:Choice xmlns:a14="http://schemas.microsoft.com/office/drawing/2010/main" Requires="a14">
+        <mc:AlternateContent xmlns:mc="http://schemas.openxmlformats.org/markup-compatibility/2006" xmlns:a14="http://schemas.microsoft.com/office/drawing/2010/main">
+          <mc:Choice Requires="a14">
             <p:sp>
               <p:nvSpPr>
                 <p:cNvPr id="67" name="תיבת טקסט 66">
@@ -20827,7 +20837,7 @@
               </p:txBody>
             </p:sp>
           </mc:Choice>
-          <mc:Fallback>
+          <mc:Fallback xmlns="">
             <p:sp>
               <p:nvSpPr>
                 <p:cNvPr id="67" name="תיבת טקסט 66">
@@ -20934,8 +20944,8 @@
             </a:fontRef>
           </p:style>
         </p:cxnSp>
-        <mc:AlternateContent xmlns:mc="http://schemas.openxmlformats.org/markup-compatibility/2006">
-          <mc:Choice xmlns:a14="http://schemas.microsoft.com/office/drawing/2010/main" Requires="a14">
+        <mc:AlternateContent xmlns:mc="http://schemas.openxmlformats.org/markup-compatibility/2006" xmlns:a14="http://schemas.microsoft.com/office/drawing/2010/main">
+          <mc:Choice Requires="a14">
             <p:sp>
               <p:nvSpPr>
                 <p:cNvPr id="36" name="תיבת טקסט 35">
@@ -20964,6 +20974,7 @@
                 </a:bodyPr>
                 <a:lstStyle/>
                 <a:p>
+                  <a:pPr/>
                   <a14:m>
                     <m:oMathPara xmlns:m="http://schemas.openxmlformats.org/officeDocument/2006/math">
                       <m:oMathParaPr>
@@ -21020,7 +21031,7 @@
               </p:txBody>
             </p:sp>
           </mc:Choice>
-          <mc:Fallback>
+          <mc:Fallback xmlns="">
             <p:sp>
               <p:nvSpPr>
                 <p:cNvPr id="36" name="תיבת טקסט 35">
@@ -21127,8 +21138,8 @@
             </a:fontRef>
           </p:style>
         </p:cxnSp>
-        <mc:AlternateContent xmlns:mc="http://schemas.openxmlformats.org/markup-compatibility/2006">
-          <mc:Choice xmlns:a14="http://schemas.microsoft.com/office/drawing/2010/main" Requires="a14">
+        <mc:AlternateContent xmlns:mc="http://schemas.openxmlformats.org/markup-compatibility/2006" xmlns:a14="http://schemas.microsoft.com/office/drawing/2010/main">
+          <mc:Choice Requires="a14">
             <p:sp>
               <p:nvSpPr>
                 <p:cNvPr id="39" name="תיבת טקסט 38">
@@ -21157,6 +21168,7 @@
                 </a:bodyPr>
                 <a:lstStyle/>
                 <a:p>
+                  <a:pPr/>
                   <a14:m>
                     <m:oMathPara xmlns:m="http://schemas.openxmlformats.org/officeDocument/2006/math">
                       <m:oMathParaPr>
@@ -21213,7 +21225,7 @@
               </p:txBody>
             </p:sp>
           </mc:Choice>
-          <mc:Fallback>
+          <mc:Fallback xmlns="">
             <p:sp>
               <p:nvSpPr>
                 <p:cNvPr id="39" name="תיבת טקסט 38">
@@ -21393,8 +21405,8 @@
             </a:fontRef>
           </p:style>
         </p:cxnSp>
-        <mc:AlternateContent xmlns:mc="http://schemas.openxmlformats.org/markup-compatibility/2006">
-          <mc:Choice xmlns:a14="http://schemas.microsoft.com/office/drawing/2010/main" Requires="a14">
+        <mc:AlternateContent xmlns:mc="http://schemas.openxmlformats.org/markup-compatibility/2006" xmlns:a14="http://schemas.microsoft.com/office/drawing/2010/main">
+          <mc:Choice Requires="a14">
             <p:sp>
               <p:nvSpPr>
                 <p:cNvPr id="83" name="תיבת טקסט 82">
@@ -21423,6 +21435,7 @@
                 </a:bodyPr>
                 <a:lstStyle/>
                 <a:p>
+                  <a:pPr/>
                   <a14:m>
                     <m:oMathPara xmlns:m="http://schemas.openxmlformats.org/officeDocument/2006/math">
                       <m:oMathParaPr>
@@ -21479,7 +21492,7 @@
               </p:txBody>
             </p:sp>
           </mc:Choice>
-          <mc:Fallback>
+          <mc:Fallback xmlns="">
             <p:sp>
               <p:nvSpPr>
                 <p:cNvPr id="83" name="תיבת טקסט 82">
@@ -21776,7 +21789,7 @@
     </p:spTree>
     <p:extLst>
       <p:ext uri="{BB962C8B-B14F-4D97-AF65-F5344CB8AC3E}">
-        <p14:creationId xmlns:p14="http://schemas.microsoft.com/office/powerpoint/2010/main" val="1994226932"/>
+        <p14:creationId xmlns:p14="http://schemas.microsoft.com/office/powerpoint/2010/main" val="1633665831"/>
       </p:ext>
     </p:extLst>
   </p:cSld>
